--- a/deliverables/SpotLight_SolutionArchitecture_Archikers.pptx
+++ b/deliverables/SpotLight_SolutionArchitecture_Archikers.pptx
@@ -7,9 +7,10 @@
   <p:sldIdLst>
     <p:sldId id="256" r:id="rId2"/>
     <p:sldId id="257" r:id="rId3"/>
-    <p:sldId id="260" r:id="rId4"/>
-    <p:sldId id="258" r:id="rId5"/>
-    <p:sldId id="259" r:id="rId6"/>
+    <p:sldId id="261" r:id="rId4"/>
+    <p:sldId id="260" r:id="rId5"/>
+    <p:sldId id="258" r:id="rId6"/>
+    <p:sldId id="259" r:id="rId7"/>
   </p:sldIdLst>
   <p:sldSz cx="12192000" cy="6858000"/>
   <p:notesSz cx="6858000" cy="9144000"/>
@@ -108,6 +109,11 @@
       </a:defRPr>
     </a:lvl9pPr>
   </p:defaultTextStyle>
+  <p:extLst>
+    <p:ext uri="{EFAFB233-063F-42B5-8137-9DF3F51BA10A}">
+      <p15:sldGuideLst xmlns:p15="http://schemas.microsoft.com/office/powerpoint/2012/main"/>
+    </p:ext>
+  </p:extLst>
 </p:presentation>
 </file>
 
@@ -3469,7 +3475,7 @@
         <p:spPr/>
         <p:txBody>
           <a:bodyPr>
-            <a:normAutofit fontScale="92500" lnSpcReduction="20000"/>
+            <a:normAutofit fontScale="85000" lnSpcReduction="20000"/>
           </a:bodyPr>
           <a:lstStyle/>
           <a:p>
@@ -3517,8 +3523,15 @@
           <a:p>
             <a:r>
               <a:rPr lang="en-US" dirty="0"/>
-              <a:t>Architecture Decisions</a:t>
-            </a:r>
+              <a:t>Architecture Decisions (ADRs)</a:t>
+            </a:r>
+          </a:p>
+          <a:p>
+            <a:r>
+              <a:rPr lang="en-US" dirty="0" err="1"/>
+              <a:t>DevSecOps</a:t>
+            </a:r>
+            <a:endParaRPr lang="en-US" dirty="0"/>
           </a:p>
           <a:p>
             <a:r>
@@ -3569,7 +3582,7 @@
           <p:cNvPr id="2" name="Title 1">
             <a:extLst>
               <a:ext uri="{FF2B5EF4-FFF2-40B4-BE49-F238E27FC236}">
-                <a16:creationId xmlns:a16="http://schemas.microsoft.com/office/drawing/2014/main" id="{22F0A747-936B-0887-F4DC-0D4498703269}"/>
+                <a16:creationId xmlns:a16="http://schemas.microsoft.com/office/drawing/2014/main" id="{AD49085A-3654-7FD1-26E4-2909A5358175}"/>
               </a:ext>
             </a:extLst>
           </p:cNvPr>
@@ -3583,7 +3596,7 @@
         <p:spPr>
           <a:xfrm>
             <a:off x="0" y="1"/>
-            <a:ext cx="10515600" cy="793102"/>
+            <a:ext cx="10515600" cy="998376"/>
           </a:xfrm>
         </p:spPr>
         <p:txBody>
@@ -3592,42 +3605,293 @@
           <a:p>
             <a:r>
               <a:rPr lang="en-US" dirty="0"/>
-              <a:t>Business and Architecture Principles</a:t>
-            </a:r>
-          </a:p>
-        </p:txBody>
-      </p:sp>
-      <p:sp>
-        <p:nvSpPr>
-          <p:cNvPr id="6" name="TextBox 5">
-            <a:extLst>
-              <a:ext uri="{FF2B5EF4-FFF2-40B4-BE49-F238E27FC236}">
-                <a16:creationId xmlns:a16="http://schemas.microsoft.com/office/drawing/2014/main" id="{7195988D-795D-79AE-5471-D7DB6061CC68}"/>
-              </a:ext>
-            </a:extLst>
-          </p:cNvPr>
-          <p:cNvSpPr txBox="1"/>
-          <p:nvPr/>
+              <a:t>Executive Summary</a:t>
+            </a:r>
+          </a:p>
+        </p:txBody>
+      </p:sp>
+      <p:sp>
+        <p:nvSpPr>
+          <p:cNvPr id="3" name="Content Placeholder 2">
+            <a:extLst>
+              <a:ext uri="{FF2B5EF4-FFF2-40B4-BE49-F238E27FC236}">
+                <a16:creationId xmlns:a16="http://schemas.microsoft.com/office/drawing/2014/main" id="{37260CAB-033D-B71D-919B-2152D4FCC449}"/>
+              </a:ext>
+            </a:extLst>
+          </p:cNvPr>
+          <p:cNvSpPr>
+            <a:spLocks noGrp="1"/>
+          </p:cNvSpPr>
+          <p:nvPr>
+            <p:ph idx="1"/>
+          </p:nvPr>
         </p:nvSpPr>
         <p:spPr>
           <a:xfrm>
-            <a:off x="382555" y="1215817"/>
-            <a:ext cx="3844212" cy="369332"/>
+            <a:off x="269032" y="1153821"/>
+            <a:ext cx="11590175" cy="1775991"/>
+          </a:xfrm>
+        </p:spPr>
+        <p:txBody>
+          <a:bodyPr/>
+          <a:lstStyle/>
+          <a:p>
+            <a:r>
+              <a:rPr lang="en-US" dirty="0"/>
+              <a:t>Vision - </a:t>
+            </a:r>
+            <a:r>
+              <a:rPr lang="en-US" i="1" dirty="0"/>
+              <a:t>The Spotlight App Project is a sustained effort to amass a coalition of nonprofits in order to address specific needs within the communities we serve by leveraging a centralized platform as the base of operations to collaborate and make a collective impact</a:t>
+            </a:r>
+          </a:p>
+        </p:txBody>
+      </p:sp>
+      <p:sp>
+        <p:nvSpPr>
+          <p:cNvPr id="4" name="Content Placeholder 2">
+            <a:extLst>
+              <a:ext uri="{FF2B5EF4-FFF2-40B4-BE49-F238E27FC236}">
+                <a16:creationId xmlns:a16="http://schemas.microsoft.com/office/drawing/2014/main" id="{83C898FD-EDBB-9737-BD45-F735CB6A9C8E}"/>
+              </a:ext>
+            </a:extLst>
+          </p:cNvPr>
+          <p:cNvSpPr txBox="1">
+            <a:spLocks/>
+          </p:cNvSpPr>
+          <p:nvPr/>
+        </p:nvSpPr>
+        <p:spPr>
+          <a:xfrm>
+            <a:off x="269031" y="3085256"/>
+            <a:ext cx="11739467" cy="3539479"/>
           </a:xfrm>
           <a:prstGeom prst="rect">
             <a:avLst/>
           </a:prstGeom>
-          <a:noFill/>
         </p:spPr>
         <p:txBody>
-          <a:bodyPr wrap="square" rtlCol="0">
-            <a:spAutoFit/>
+          <a:bodyPr vert="horz" lIns="91440" tIns="45720" rIns="91440" bIns="45720" rtlCol="0">
+            <a:normAutofit/>
           </a:bodyPr>
-          <a:lstStyle/>
-          <a:p>
+          <a:lstStyle>
+            <a:lvl1pPr marL="228600" indent="-228600" algn="l" defTabSz="914400" rtl="0" eaLnBrk="1" latinLnBrk="0" hangingPunct="1">
+              <a:lnSpc>
+                <a:spcPct val="90000"/>
+              </a:lnSpc>
+              <a:spcBef>
+                <a:spcPts val="1000"/>
+              </a:spcBef>
+              <a:buFont typeface="Arial" panose="020B0604020202020204" pitchFamily="34" charset="0"/>
+              <a:buChar char="•"/>
+              <a:defRPr sz="2800" kern="1200">
+                <a:solidFill>
+                  <a:schemeClr val="tx1"/>
+                </a:solidFill>
+                <a:latin typeface="+mn-lt"/>
+                <a:ea typeface="+mn-ea"/>
+                <a:cs typeface="+mn-cs"/>
+              </a:defRPr>
+            </a:lvl1pPr>
+            <a:lvl2pPr marL="685800" indent="-228600" algn="l" defTabSz="914400" rtl="0" eaLnBrk="1" latinLnBrk="0" hangingPunct="1">
+              <a:lnSpc>
+                <a:spcPct val="90000"/>
+              </a:lnSpc>
+              <a:spcBef>
+                <a:spcPts val="500"/>
+              </a:spcBef>
+              <a:buFont typeface="Arial" panose="020B0604020202020204" pitchFamily="34" charset="0"/>
+              <a:buChar char="•"/>
+              <a:defRPr sz="2400" kern="1200">
+                <a:solidFill>
+                  <a:schemeClr val="tx1"/>
+                </a:solidFill>
+                <a:latin typeface="+mn-lt"/>
+                <a:ea typeface="+mn-ea"/>
+                <a:cs typeface="+mn-cs"/>
+              </a:defRPr>
+            </a:lvl2pPr>
+            <a:lvl3pPr marL="1143000" indent="-228600" algn="l" defTabSz="914400" rtl="0" eaLnBrk="1" latinLnBrk="0" hangingPunct="1">
+              <a:lnSpc>
+                <a:spcPct val="90000"/>
+              </a:lnSpc>
+              <a:spcBef>
+                <a:spcPts val="500"/>
+              </a:spcBef>
+              <a:buFont typeface="Arial" panose="020B0604020202020204" pitchFamily="34" charset="0"/>
+              <a:buChar char="•"/>
+              <a:defRPr sz="2000" kern="1200">
+                <a:solidFill>
+                  <a:schemeClr val="tx1"/>
+                </a:solidFill>
+                <a:latin typeface="+mn-lt"/>
+                <a:ea typeface="+mn-ea"/>
+                <a:cs typeface="+mn-cs"/>
+              </a:defRPr>
+            </a:lvl3pPr>
+            <a:lvl4pPr marL="1600200" indent="-228600" algn="l" defTabSz="914400" rtl="0" eaLnBrk="1" latinLnBrk="0" hangingPunct="1">
+              <a:lnSpc>
+                <a:spcPct val="90000"/>
+              </a:lnSpc>
+              <a:spcBef>
+                <a:spcPts val="500"/>
+              </a:spcBef>
+              <a:buFont typeface="Arial" panose="020B0604020202020204" pitchFamily="34" charset="0"/>
+              <a:buChar char="•"/>
+              <a:defRPr sz="1800" kern="1200">
+                <a:solidFill>
+                  <a:schemeClr val="tx1"/>
+                </a:solidFill>
+                <a:latin typeface="+mn-lt"/>
+                <a:ea typeface="+mn-ea"/>
+                <a:cs typeface="+mn-cs"/>
+              </a:defRPr>
+            </a:lvl4pPr>
+            <a:lvl5pPr marL="2057400" indent="-228600" algn="l" defTabSz="914400" rtl="0" eaLnBrk="1" latinLnBrk="0" hangingPunct="1">
+              <a:lnSpc>
+                <a:spcPct val="90000"/>
+              </a:lnSpc>
+              <a:spcBef>
+                <a:spcPts val="500"/>
+              </a:spcBef>
+              <a:buFont typeface="Arial" panose="020B0604020202020204" pitchFamily="34" charset="0"/>
+              <a:buChar char="•"/>
+              <a:defRPr sz="1800" kern="1200">
+                <a:solidFill>
+                  <a:schemeClr val="tx1"/>
+                </a:solidFill>
+                <a:latin typeface="+mn-lt"/>
+                <a:ea typeface="+mn-ea"/>
+                <a:cs typeface="+mn-cs"/>
+              </a:defRPr>
+            </a:lvl5pPr>
+            <a:lvl6pPr marL="2514600" indent="-228600" algn="l" defTabSz="914400" rtl="0" eaLnBrk="1" latinLnBrk="0" hangingPunct="1">
+              <a:lnSpc>
+                <a:spcPct val="90000"/>
+              </a:lnSpc>
+              <a:spcBef>
+                <a:spcPts val="500"/>
+              </a:spcBef>
+              <a:buFont typeface="Arial" panose="020B0604020202020204" pitchFamily="34" charset="0"/>
+              <a:buChar char="•"/>
+              <a:defRPr sz="1800" kern="1200">
+                <a:solidFill>
+                  <a:schemeClr val="tx1"/>
+                </a:solidFill>
+                <a:latin typeface="+mn-lt"/>
+                <a:ea typeface="+mn-ea"/>
+                <a:cs typeface="+mn-cs"/>
+              </a:defRPr>
+            </a:lvl6pPr>
+            <a:lvl7pPr marL="2971800" indent="-228600" algn="l" defTabSz="914400" rtl="0" eaLnBrk="1" latinLnBrk="0" hangingPunct="1">
+              <a:lnSpc>
+                <a:spcPct val="90000"/>
+              </a:lnSpc>
+              <a:spcBef>
+                <a:spcPts val="500"/>
+              </a:spcBef>
+              <a:buFont typeface="Arial" panose="020B0604020202020204" pitchFamily="34" charset="0"/>
+              <a:buChar char="•"/>
+              <a:defRPr sz="1800" kern="1200">
+                <a:solidFill>
+                  <a:schemeClr val="tx1"/>
+                </a:solidFill>
+                <a:latin typeface="+mn-lt"/>
+                <a:ea typeface="+mn-ea"/>
+                <a:cs typeface="+mn-cs"/>
+              </a:defRPr>
+            </a:lvl7pPr>
+            <a:lvl8pPr marL="3429000" indent="-228600" algn="l" defTabSz="914400" rtl="0" eaLnBrk="1" latinLnBrk="0" hangingPunct="1">
+              <a:lnSpc>
+                <a:spcPct val="90000"/>
+              </a:lnSpc>
+              <a:spcBef>
+                <a:spcPts val="500"/>
+              </a:spcBef>
+              <a:buFont typeface="Arial" panose="020B0604020202020204" pitchFamily="34" charset="0"/>
+              <a:buChar char="•"/>
+              <a:defRPr sz="1800" kern="1200">
+                <a:solidFill>
+                  <a:schemeClr val="tx1"/>
+                </a:solidFill>
+                <a:latin typeface="+mn-lt"/>
+                <a:ea typeface="+mn-ea"/>
+                <a:cs typeface="+mn-cs"/>
+              </a:defRPr>
+            </a:lvl8pPr>
+            <a:lvl9pPr marL="3886200" indent="-228600" algn="l" defTabSz="914400" rtl="0" eaLnBrk="1" latinLnBrk="0" hangingPunct="1">
+              <a:lnSpc>
+                <a:spcPct val="90000"/>
+              </a:lnSpc>
+              <a:spcBef>
+                <a:spcPts val="500"/>
+              </a:spcBef>
+              <a:buFont typeface="Arial" panose="020B0604020202020204" pitchFamily="34" charset="0"/>
+              <a:buChar char="•"/>
+              <a:defRPr sz="1800" kern="1200">
+                <a:solidFill>
+                  <a:schemeClr val="tx1"/>
+                </a:solidFill>
+                <a:latin typeface="+mn-lt"/>
+                <a:ea typeface="+mn-ea"/>
+                <a:cs typeface="+mn-cs"/>
+              </a:defRPr>
+            </a:lvl9pPr>
+          </a:lstStyle>
+          <a:p>
+            <a:r>
+              <a:rPr lang="en-US" dirty="0" err="1"/>
+              <a:t>Archikers</a:t>
+            </a:r>
             <a:r>
               <a:rPr lang="en-US" dirty="0"/>
-              <a:t>Need to write commentary here - </a:t>
+              <a:t> proposes to build and deliver flexible, maintainable, scalable and extensible platform to</a:t>
+            </a:r>
+          </a:p>
+          <a:p>
+            <a:pPr lvl="1">
+              <a:buFont typeface="Wingdings" panose="05000000000000000000" pitchFamily="2" charset="2"/>
+              <a:buChar char="ü"/>
+            </a:pPr>
+            <a:r>
+              <a:rPr lang="en-US" dirty="0"/>
+              <a:t>Provide centralized avenue for Non-profits to deliver services</a:t>
+            </a:r>
+          </a:p>
+          <a:p>
+            <a:pPr lvl="1">
+              <a:buFont typeface="Wingdings" panose="05000000000000000000" pitchFamily="2" charset="2"/>
+              <a:buChar char="ü"/>
+            </a:pPr>
+            <a:r>
+              <a:rPr lang="en-US" dirty="0"/>
+              <a:t>Promote collaboration among Non-profits as well as between Non-profits &amp; candidates</a:t>
+            </a:r>
+          </a:p>
+          <a:p>
+            <a:pPr lvl="1">
+              <a:buFont typeface="Wingdings" panose="05000000000000000000" pitchFamily="2" charset="2"/>
+              <a:buChar char="ü"/>
+            </a:pPr>
+            <a:r>
+              <a:rPr lang="en-US" dirty="0"/>
+              <a:t>Increase visibility and accessibility of services to aspiring candidates </a:t>
+            </a:r>
+          </a:p>
+          <a:p>
+            <a:pPr lvl="1">
+              <a:buFont typeface="Wingdings" panose="05000000000000000000" pitchFamily="2" charset="2"/>
+              <a:buChar char="ü"/>
+            </a:pPr>
+            <a:r>
+              <a:rPr lang="en-US" dirty="0"/>
+              <a:t>Provide capability to raise any issues related to service and getting the resolution</a:t>
+            </a:r>
+          </a:p>
+          <a:p>
+            <a:r>
+              <a:rPr lang="en-US" dirty="0"/>
+              <a:t>Proposed solution is going to be secure, highly available and cost-effective meeting Non-profit current and future operational need</a:t>
             </a:r>
           </a:p>
         </p:txBody>
@@ -3635,7 +3899,7 @@
     </p:spTree>
     <p:extLst>
       <p:ext uri="{BB962C8B-B14F-4D97-AF65-F5344CB8AC3E}">
-        <p14:creationId xmlns:p14="http://schemas.microsoft.com/office/powerpoint/2010/main" val="3873763657"/>
+        <p14:creationId xmlns:p14="http://schemas.microsoft.com/office/powerpoint/2010/main" val="3414197168"/>
       </p:ext>
     </p:extLst>
   </p:cSld>
@@ -3690,6 +3954,104 @@
           <a:p>
             <a:r>
               <a:rPr lang="en-US" dirty="0"/>
+              <a:t>Business and Architecture Principles</a:t>
+            </a:r>
+          </a:p>
+        </p:txBody>
+      </p:sp>
+      <p:sp>
+        <p:nvSpPr>
+          <p:cNvPr id="6" name="TextBox 5">
+            <a:extLst>
+              <a:ext uri="{FF2B5EF4-FFF2-40B4-BE49-F238E27FC236}">
+                <a16:creationId xmlns:a16="http://schemas.microsoft.com/office/drawing/2014/main" id="{7195988D-795D-79AE-5471-D7DB6061CC68}"/>
+              </a:ext>
+            </a:extLst>
+          </p:cNvPr>
+          <p:cNvSpPr txBox="1"/>
+          <p:nvPr/>
+        </p:nvSpPr>
+        <p:spPr>
+          <a:xfrm>
+            <a:off x="382555" y="1215817"/>
+            <a:ext cx="3844212" cy="369332"/>
+          </a:xfrm>
+          <a:prstGeom prst="rect">
+            <a:avLst/>
+          </a:prstGeom>
+          <a:noFill/>
+        </p:spPr>
+        <p:txBody>
+          <a:bodyPr wrap="square" rtlCol="0">
+            <a:spAutoFit/>
+          </a:bodyPr>
+          <a:lstStyle/>
+          <a:p>
+            <a:r>
+              <a:rPr lang="en-US" dirty="0"/>
+              <a:t>Need to write commentary here - </a:t>
+            </a:r>
+          </a:p>
+        </p:txBody>
+      </p:sp>
+    </p:spTree>
+    <p:extLst>
+      <p:ext uri="{BB962C8B-B14F-4D97-AF65-F5344CB8AC3E}">
+        <p14:creationId xmlns:p14="http://schemas.microsoft.com/office/powerpoint/2010/main" val="3873763657"/>
+      </p:ext>
+    </p:extLst>
+  </p:cSld>
+  <p:clrMapOvr>
+    <a:masterClrMapping/>
+  </p:clrMapOvr>
+</p:sld>
+</file>
+
+<file path=ppt/slides/slide5.xml><?xml version="1.0" encoding="utf-8"?>
+<p:sld xmlns:a="http://schemas.openxmlformats.org/drawingml/2006/main" xmlns:r="http://schemas.openxmlformats.org/officeDocument/2006/relationships" xmlns:p="http://schemas.openxmlformats.org/presentationml/2006/main">
+  <p:cSld>
+    <p:spTree>
+      <p:nvGrpSpPr>
+        <p:cNvPr id="1" name=""/>
+        <p:cNvGrpSpPr/>
+        <p:nvPr/>
+      </p:nvGrpSpPr>
+      <p:grpSpPr>
+        <a:xfrm>
+          <a:off x="0" y="0"/>
+          <a:ext cx="0" cy="0"/>
+          <a:chOff x="0" y="0"/>
+          <a:chExt cx="0" cy="0"/>
+        </a:xfrm>
+      </p:grpSpPr>
+      <p:sp>
+        <p:nvSpPr>
+          <p:cNvPr id="2" name="Title 1">
+            <a:extLst>
+              <a:ext uri="{FF2B5EF4-FFF2-40B4-BE49-F238E27FC236}">
+                <a16:creationId xmlns:a16="http://schemas.microsoft.com/office/drawing/2014/main" id="{22F0A747-936B-0887-F4DC-0D4498703269}"/>
+              </a:ext>
+            </a:extLst>
+          </p:cNvPr>
+          <p:cNvSpPr>
+            <a:spLocks noGrp="1"/>
+          </p:cNvSpPr>
+          <p:nvPr>
+            <p:ph type="title"/>
+          </p:nvPr>
+        </p:nvSpPr>
+        <p:spPr>
+          <a:xfrm>
+            <a:off x="0" y="1"/>
+            <a:ext cx="10515600" cy="793102"/>
+          </a:xfrm>
+        </p:spPr>
+        <p:txBody>
+          <a:bodyPr/>
+          <a:lstStyle/>
+          <a:p>
+            <a:r>
+              <a:rPr lang="en-US" dirty="0"/>
               <a:t>Conceptual Architecture</a:t>
             </a:r>
           </a:p>
@@ -3779,7 +4141,7 @@
 </p:sld>
 </file>
 
-<file path=ppt/slides/slide5.xml><?xml version="1.0" encoding="utf-8"?>
+<file path=ppt/slides/slide6.xml><?xml version="1.0" encoding="utf-8"?>
 <p:sld xmlns:a="http://schemas.openxmlformats.org/drawingml/2006/main" xmlns:r="http://schemas.openxmlformats.org/officeDocument/2006/relationships" xmlns:p="http://schemas.openxmlformats.org/presentationml/2006/main">
   <p:cSld>
     <p:spTree>
